--- a/Documents/ToDoApp Bemutató.pptx
+++ b/Documents/ToDoApp Bemutató.pptx
@@ -9716,7 +9716,7 @@
         </p:nvSpPr>
         <p:spPr>
           <a:xfrm>
-            <a:off x="942975" y="3691222"/>
+            <a:off x="942975" y="3963875"/>
             <a:ext cx="4392300" cy="390600"/>
           </a:xfrm>
           <a:prstGeom prst="roundRect">
@@ -9964,7 +9964,7 @@
         </p:nvSpPr>
         <p:spPr>
           <a:xfrm flipH="1">
-            <a:off x="5549442" y="3718172"/>
+            <a:off x="5614500" y="3989077"/>
             <a:ext cx="336704" cy="336704"/>
           </a:xfrm>
           <a:custGeom>
@@ -10503,7 +10503,7 @@
         </p:nvSpPr>
         <p:spPr>
           <a:xfrm>
-            <a:off x="893575" y="1398250"/>
+            <a:off x="893575" y="858407"/>
             <a:ext cx="5964900" cy="2078100"/>
           </a:xfrm>
           <a:prstGeom prst="rect">
@@ -10529,9 +10529,12 @@
               <a:rPr lang="hu-HU" dirty="0"/>
               <a:t>Feladat kezelő </a:t>
             </a:r>
+            <a:br>
+              <a:rPr lang="hu-HU" dirty="0"/>
+            </a:br>
             <a:r>
               <a:rPr lang="hu-HU" dirty="0" err="1"/>
-              <a:t>Todo</a:t>
+              <a:t>To-do</a:t>
             </a:r>
             <a:r>
               <a:rPr lang="hu-HU" dirty="0"/>
@@ -10553,7 +10556,7 @@
         </p:nvSpPr>
         <p:spPr>
           <a:xfrm>
-            <a:off x="942975" y="3744172"/>
+            <a:off x="942975" y="4000393"/>
             <a:ext cx="3733800" cy="284700"/>
           </a:xfrm>
           <a:prstGeom prst="rect">
@@ -10605,7 +10608,7 @@
         </p:nvSpPr>
         <p:spPr>
           <a:xfrm>
-            <a:off x="893575" y="3330495"/>
+            <a:off x="893575" y="3520469"/>
             <a:ext cx="2133918" cy="307777"/>
           </a:xfrm>
           <a:prstGeom prst="rect">
@@ -10750,7 +10753,7 @@
               <a:buNone/>
             </a:pPr>
             <a:r>
-              <a:rPr lang="hu-HU" sz="1000" b="1" dirty="0">
+              <a:rPr lang="hu-HU" b="1" dirty="0">
                 <a:solidFill>
                   <a:schemeClr val="dk1"/>
                 </a:solidFill>
@@ -10762,7 +10765,7 @@
               <a:t>Egy olyan webes alkalmazás elkészítése, ami lehetőséget ad a feladatok kezelésére. </a:t>
             </a:r>
             <a:r>
-              <a:rPr lang="hu-HU" sz="1100" b="0" i="0" u="none" strike="noStrike" dirty="0">
+              <a:rPr lang="hu-HU" b="0" i="0" u="none" strike="noStrike" dirty="0">
                 <a:solidFill>
                   <a:srgbClr val="000000"/>
                 </a:solidFill>
@@ -10772,7 +10775,7 @@
               <a:t>A feladatkezelő alkalmazás célja, hogy egyszerű és hatékony eszközt biztosítson a napi teendőink nyomon követésére, kezelésére és prioritásaink meghatározására.</a:t>
             </a:r>
             <a:r>
-              <a:rPr lang="hu-HU" sz="1000" b="1" dirty="0">
+              <a:rPr lang="hu-HU" b="1" dirty="0">
                 <a:solidFill>
                   <a:schemeClr val="dk1"/>
                 </a:solidFill>
@@ -10783,7 +10786,7 @@
               </a:rPr>
               <a:t>  </a:t>
             </a:r>
-            <a:endParaRPr sz="1000" b="1" dirty="0">
+            <a:endParaRPr b="1" dirty="0">
               <a:solidFill>
                 <a:schemeClr val="dk1"/>
               </a:solidFill>
@@ -14799,1397 +14802,6 @@
           </a:p>
         </p:txBody>
       </p:sp>
-      <p:graphicFrame>
-        <p:nvGraphicFramePr>
-          <p:cNvPr id="747" name="Google Shape;747;p43"/>
-          <p:cNvGraphicFramePr/>
-          <p:nvPr>
-            <p:extLst>
-              <p:ext uri="{D42A27DB-BD31-4B8C-83A1-F6EECF244321}">
-                <p14:modId xmlns:p14="http://schemas.microsoft.com/office/powerpoint/2010/main" val="784376368"/>
-              </p:ext>
-            </p:extLst>
-          </p:nvPr>
-        </p:nvGraphicFramePr>
-        <p:xfrm>
-          <a:off x="713200" y="1231838"/>
-          <a:ext cx="6714525" cy="1600135"/>
-        </p:xfrm>
-        <a:graphic>
-          <a:graphicData uri="http://schemas.openxmlformats.org/drawingml/2006/table">
-            <a:tbl>
-              <a:tblPr>
-                <a:noFill/>
-                <a:tableStyleId>{D21B84B1-905F-497D-9B82-5BBA18BE5D6F}</a:tableStyleId>
-              </a:tblPr>
-              <a:tblGrid>
-                <a:gridCol w="2238175">
-                  <a:extLst>
-                    <a:ext uri="{9D8B030D-6E8A-4147-A177-3AD203B41FA5}">
-                      <a16:colId xmlns:a16="http://schemas.microsoft.com/office/drawing/2014/main" val="20000"/>
-                    </a:ext>
-                  </a:extLst>
-                </a:gridCol>
-                <a:gridCol w="2238175">
-                  <a:extLst>
-                    <a:ext uri="{9D8B030D-6E8A-4147-A177-3AD203B41FA5}">
-                      <a16:colId xmlns:a16="http://schemas.microsoft.com/office/drawing/2014/main" val="20001"/>
-                    </a:ext>
-                  </a:extLst>
-                </a:gridCol>
-                <a:gridCol w="2238175">
-                  <a:extLst>
-                    <a:ext uri="{9D8B030D-6E8A-4147-A177-3AD203B41FA5}">
-                      <a16:colId xmlns:a16="http://schemas.microsoft.com/office/drawing/2014/main" val="20002"/>
-                    </a:ext>
-                  </a:extLst>
-                </a:gridCol>
-              </a:tblGrid>
-              <a:tr h="506475">
-                <a:tc>
-                  <a:txBody>
-                    <a:bodyPr/>
-                    <a:lstStyle/>
-                    <a:p>
-                      <a:pPr marL="0" lvl="0" indent="0" algn="l" rtl="0">
-                        <a:spcBef>
-                          <a:spcPts val="0"/>
-                        </a:spcBef>
-                        <a:spcAft>
-                          <a:spcPts val="0"/>
-                        </a:spcAft>
-                        <a:buNone/>
-                      </a:pPr>
-                      <a:r>
-                        <a:rPr lang="hu-HU" sz="1400" b="0" i="0" u="none" strike="noStrike" cap="none" dirty="0">
-                          <a:solidFill>
-                            <a:schemeClr val="accent4"/>
-                          </a:solidFill>
-                          <a:effectLst/>
-                          <a:latin typeface="Arial"/>
-                          <a:ea typeface="Arial"/>
-                          <a:cs typeface="Arial"/>
-                          <a:sym typeface="Arial"/>
-                        </a:rPr>
-                        <a:t>Bejelentkezés és Regisztráció:</a:t>
-                      </a:r>
-                      <a:endParaRPr sz="2300" b="1" dirty="0">
-                        <a:solidFill>
-                          <a:schemeClr val="accent4"/>
-                        </a:solidFill>
-                        <a:latin typeface="Questrial"/>
-                        <a:ea typeface="Questrial"/>
-                        <a:cs typeface="Questrial"/>
-                        <a:sym typeface="Questrial"/>
-                      </a:endParaRPr>
-                    </a:p>
-                  </a:txBody>
-                  <a:tcPr marL="91425" marR="91425" marT="91425" marB="45700">
-                    <a:lnL w="9525" cap="flat" cmpd="sng">
-                      <a:solidFill>
-                        <a:schemeClr val="accent3">
-                          <a:alpha val="0"/>
-                        </a:schemeClr>
-                      </a:solidFill>
-                      <a:prstDash val="solid"/>
-                      <a:round/>
-                      <a:headEnd type="none" w="sm" len="sm"/>
-                      <a:tailEnd type="none" w="sm" len="sm"/>
-                    </a:lnL>
-                    <a:lnR w="9525" cap="flat" cmpd="sng">
-                      <a:solidFill>
-                        <a:schemeClr val="accent3"/>
-                      </a:solidFill>
-                      <a:prstDash val="solid"/>
-                      <a:round/>
-                      <a:headEnd type="none" w="sm" len="sm"/>
-                      <a:tailEnd type="none" w="sm" len="sm"/>
-                    </a:lnR>
-                    <a:lnT w="9525" cap="flat" cmpd="sng">
-                      <a:solidFill>
-                        <a:schemeClr val="accent3">
-                          <a:alpha val="0"/>
-                        </a:schemeClr>
-                      </a:solidFill>
-                      <a:prstDash val="solid"/>
-                      <a:round/>
-                      <a:headEnd type="none" w="sm" len="sm"/>
-                      <a:tailEnd type="none" w="sm" len="sm"/>
-                    </a:lnT>
-                    <a:lnB w="9525" cap="flat" cmpd="sng">
-                      <a:solidFill>
-                        <a:schemeClr val="accent3">
-                          <a:alpha val="0"/>
-                        </a:schemeClr>
-                      </a:solidFill>
-                      <a:prstDash val="solid"/>
-                      <a:round/>
-                      <a:headEnd type="none" w="sm" len="sm"/>
-                      <a:tailEnd type="none" w="sm" len="sm"/>
-                    </a:lnB>
-                  </a:tcPr>
-                </a:tc>
-                <a:tc>
-                  <a:txBody>
-                    <a:bodyPr/>
-                    <a:lstStyle/>
-                    <a:p>
-                      <a:pPr marL="0" lvl="0" indent="0" algn="l" rtl="0">
-                        <a:spcBef>
-                          <a:spcPts val="0"/>
-                        </a:spcBef>
-                        <a:spcAft>
-                          <a:spcPts val="0"/>
-                        </a:spcAft>
-                        <a:buNone/>
-                      </a:pPr>
-                      <a:r>
-                        <a:rPr lang="hu-HU" sz="1400" b="0" i="0" u="none" strike="noStrike" cap="none" dirty="0">
-                          <a:solidFill>
-                            <a:schemeClr val="accent4"/>
-                          </a:solidFill>
-                          <a:effectLst/>
-                          <a:latin typeface="Arial"/>
-                          <a:ea typeface="Arial"/>
-                          <a:cs typeface="Arial"/>
-                          <a:sym typeface="Arial"/>
-                        </a:rPr>
-                        <a:t>Feladatok Kezelése:</a:t>
-                      </a:r>
-                      <a:endParaRPr sz="2300" b="1" dirty="0">
-                        <a:solidFill>
-                          <a:schemeClr val="accent4"/>
-                        </a:solidFill>
-                        <a:latin typeface="Questrial"/>
-                        <a:ea typeface="Questrial"/>
-                        <a:cs typeface="Questrial"/>
-                        <a:sym typeface="Questrial"/>
-                      </a:endParaRPr>
-                    </a:p>
-                  </a:txBody>
-                  <a:tcPr marL="91425" marR="91425" marT="91425" marB="45700">
-                    <a:lnL w="9525" cap="flat" cmpd="sng">
-                      <a:solidFill>
-                        <a:schemeClr val="accent3"/>
-                      </a:solidFill>
-                      <a:prstDash val="solid"/>
-                      <a:round/>
-                      <a:headEnd type="none" w="sm" len="sm"/>
-                      <a:tailEnd type="none" w="sm" len="sm"/>
-                    </a:lnL>
-                    <a:lnR w="9525" cap="flat" cmpd="sng">
-                      <a:solidFill>
-                        <a:schemeClr val="accent3"/>
-                      </a:solidFill>
-                      <a:prstDash val="solid"/>
-                      <a:round/>
-                      <a:headEnd type="none" w="sm" len="sm"/>
-                      <a:tailEnd type="none" w="sm" len="sm"/>
-                    </a:lnR>
-                    <a:lnT w="9525" cap="flat" cmpd="sng">
-                      <a:solidFill>
-                        <a:schemeClr val="accent3">
-                          <a:alpha val="0"/>
-                        </a:schemeClr>
-                      </a:solidFill>
-                      <a:prstDash val="solid"/>
-                      <a:round/>
-                      <a:headEnd type="none" w="sm" len="sm"/>
-                      <a:tailEnd type="none" w="sm" len="sm"/>
-                    </a:lnT>
-                    <a:lnB w="9525" cap="flat" cmpd="sng">
-                      <a:solidFill>
-                        <a:schemeClr val="accent3">
-                          <a:alpha val="0"/>
-                        </a:schemeClr>
-                      </a:solidFill>
-                      <a:prstDash val="solid"/>
-                      <a:round/>
-                      <a:headEnd type="none" w="sm" len="sm"/>
-                      <a:tailEnd type="none" w="sm" len="sm"/>
-                    </a:lnB>
-                  </a:tcPr>
-                </a:tc>
-                <a:tc>
-                  <a:txBody>
-                    <a:bodyPr/>
-                    <a:lstStyle/>
-                    <a:p>
-                      <a:pPr marL="0" lvl="0" indent="0" algn="l" rtl="0">
-                        <a:spcBef>
-                          <a:spcPts val="0"/>
-                        </a:spcBef>
-                        <a:spcAft>
-                          <a:spcPts val="0"/>
-                        </a:spcAft>
-                        <a:buNone/>
-                      </a:pPr>
-                      <a:r>
-                        <a:rPr lang="hu-HU" sz="1400" b="0" i="0" u="none" strike="noStrike" cap="none" dirty="0">
-                          <a:solidFill>
-                            <a:schemeClr val="accent4"/>
-                          </a:solidFill>
-                          <a:effectLst/>
-                          <a:latin typeface="Arial"/>
-                          <a:ea typeface="Arial"/>
-                          <a:cs typeface="Arial"/>
-                          <a:sym typeface="Arial"/>
-                        </a:rPr>
-                        <a:t>Adattárolás:</a:t>
-                      </a:r>
-                      <a:endParaRPr sz="2300" b="1" dirty="0">
-                        <a:solidFill>
-                          <a:schemeClr val="accent4"/>
-                        </a:solidFill>
-                        <a:latin typeface="Questrial"/>
-                        <a:ea typeface="Questrial"/>
-                        <a:cs typeface="Questrial"/>
-                        <a:sym typeface="Questrial"/>
-                      </a:endParaRPr>
-                    </a:p>
-                  </a:txBody>
-                  <a:tcPr marL="91425" marR="91425" marT="91425" marB="45700">
-                    <a:lnL w="9525" cap="flat" cmpd="sng">
-                      <a:solidFill>
-                        <a:schemeClr val="accent3"/>
-                      </a:solidFill>
-                      <a:prstDash val="solid"/>
-                      <a:round/>
-                      <a:headEnd type="none" w="sm" len="sm"/>
-                      <a:tailEnd type="none" w="sm" len="sm"/>
-                    </a:lnL>
-                    <a:lnR w="9525" cap="flat" cmpd="sng">
-                      <a:solidFill>
-                        <a:schemeClr val="accent3">
-                          <a:alpha val="0"/>
-                        </a:schemeClr>
-                      </a:solidFill>
-                      <a:prstDash val="solid"/>
-                      <a:round/>
-                      <a:headEnd type="none" w="sm" len="sm"/>
-                      <a:tailEnd type="none" w="sm" len="sm"/>
-                    </a:lnR>
-                    <a:lnT w="9525" cap="flat" cmpd="sng">
-                      <a:solidFill>
-                        <a:schemeClr val="accent3">
-                          <a:alpha val="0"/>
-                        </a:schemeClr>
-                      </a:solidFill>
-                      <a:prstDash val="solid"/>
-                      <a:round/>
-                      <a:headEnd type="none" w="sm" len="sm"/>
-                      <a:tailEnd type="none" w="sm" len="sm"/>
-                    </a:lnT>
-                    <a:lnB w="9525" cap="flat" cmpd="sng">
-                      <a:solidFill>
-                        <a:schemeClr val="accent3">
-                          <a:alpha val="0"/>
-                        </a:schemeClr>
-                      </a:solidFill>
-                      <a:prstDash val="solid"/>
-                      <a:round/>
-                      <a:headEnd type="none" w="sm" len="sm"/>
-                      <a:tailEnd type="none" w="sm" len="sm"/>
-                    </a:lnB>
-                  </a:tcPr>
-                </a:tc>
-                <a:extLst>
-                  <a:ext uri="{0D108BD9-81ED-4DB2-BD59-A6C34878D82A}">
-                    <a16:rowId xmlns:a16="http://schemas.microsoft.com/office/drawing/2014/main" val="10000"/>
-                  </a:ext>
-                </a:extLst>
-              </a:tr>
-              <a:tr h="1027100">
-                <a:tc>
-                  <a:txBody>
-                    <a:bodyPr/>
-                    <a:lstStyle/>
-                    <a:p>
-                      <a:pPr marL="228600" lvl="0" indent="-203200" algn="l" rtl="0">
-                        <a:spcBef>
-                          <a:spcPts val="0"/>
-                        </a:spcBef>
-                        <a:spcAft>
-                          <a:spcPts val="0"/>
-                        </a:spcAft>
-                        <a:buClr>
-                          <a:schemeClr val="accent1"/>
-                        </a:buClr>
-                        <a:buSzPts val="1400"/>
-                        <a:buFont typeface="Didact Gothic"/>
-                        <a:buChar char="■"/>
-                      </a:pPr>
-                      <a:r>
-                        <a:rPr lang="fr" strike="sngStrike">
-                          <a:solidFill>
-                            <a:schemeClr val="dk1"/>
-                          </a:solidFill>
-                          <a:latin typeface="Didact Gothic"/>
-                          <a:ea typeface="Didact Gothic"/>
-                          <a:cs typeface="Didact Gothic"/>
-                          <a:sym typeface="Didact Gothic"/>
-                        </a:rPr>
-                        <a:t>Mars est en fait un endroit froid</a:t>
-                      </a:r>
-                      <a:endParaRPr strike="sngStrike">
-                        <a:solidFill>
-                          <a:schemeClr val="dk1"/>
-                        </a:solidFill>
-                        <a:latin typeface="Didact Gothic"/>
-                        <a:ea typeface="Didact Gothic"/>
-                        <a:cs typeface="Didact Gothic"/>
-                        <a:sym typeface="Didact Gothic"/>
-                      </a:endParaRPr>
-                    </a:p>
-                    <a:p>
-                      <a:pPr marL="228600" lvl="0" indent="-203200" algn="l" rtl="0">
-                        <a:spcBef>
-                          <a:spcPts val="0"/>
-                        </a:spcBef>
-                        <a:spcAft>
-                          <a:spcPts val="0"/>
-                        </a:spcAft>
-                        <a:buClr>
-                          <a:schemeClr val="accent1"/>
-                        </a:buClr>
-                        <a:buSzPts val="1400"/>
-                        <a:buFont typeface="Didact Gothic"/>
-                        <a:buChar char="■"/>
-                      </a:pPr>
-                      <a:r>
-                        <a:rPr lang="fr" strike="sngStrike">
-                          <a:solidFill>
-                            <a:schemeClr val="dk1"/>
-                          </a:solidFill>
-                          <a:latin typeface="Didact Gothic"/>
-                          <a:ea typeface="Didact Gothic"/>
-                          <a:cs typeface="Didact Gothic"/>
-                          <a:sym typeface="Didact Gothic"/>
-                        </a:rPr>
-                        <a:t>Cérès est dans une ceinture d'astéroïdes</a:t>
-                      </a:r>
-                      <a:endParaRPr strike="sngStrike">
-                        <a:solidFill>
-                          <a:schemeClr val="dk1"/>
-                        </a:solidFill>
-                        <a:latin typeface="Didact Gothic"/>
-                        <a:ea typeface="Didact Gothic"/>
-                        <a:cs typeface="Didact Gothic"/>
-                        <a:sym typeface="Didact Gothic"/>
-                      </a:endParaRPr>
-                    </a:p>
-                  </a:txBody>
-                  <a:tcPr marL="91425" marR="91425" marT="91425" marB="91425">
-                    <a:lnL w="9525" cap="flat" cmpd="sng">
-                      <a:solidFill>
-                        <a:schemeClr val="accent3"/>
-                      </a:solidFill>
-                      <a:prstDash val="solid"/>
-                      <a:round/>
-                      <a:headEnd type="none" w="sm" len="sm"/>
-                      <a:tailEnd type="none" w="sm" len="sm"/>
-                    </a:lnL>
-                    <a:lnR w="9525" cap="flat" cmpd="sng">
-                      <a:solidFill>
-                        <a:schemeClr val="accent3"/>
-                      </a:solidFill>
-                      <a:prstDash val="solid"/>
-                      <a:round/>
-                      <a:headEnd type="none" w="sm" len="sm"/>
-                      <a:tailEnd type="none" w="sm" len="sm"/>
-                    </a:lnR>
-                    <a:lnT w="9525" cap="flat" cmpd="sng">
-                      <a:solidFill>
-                        <a:schemeClr val="accent3">
-                          <a:alpha val="0"/>
-                        </a:schemeClr>
-                      </a:solidFill>
-                      <a:prstDash val="solid"/>
-                      <a:round/>
-                      <a:headEnd type="none" w="sm" len="sm"/>
-                      <a:tailEnd type="none" w="sm" len="sm"/>
-                    </a:lnT>
-                    <a:lnB w="9525" cap="flat" cmpd="sng">
-                      <a:solidFill>
-                        <a:schemeClr val="accent3"/>
-                      </a:solidFill>
-                      <a:prstDash val="solid"/>
-                      <a:round/>
-                      <a:headEnd type="none" w="sm" len="sm"/>
-                      <a:tailEnd type="none" w="sm" len="sm"/>
-                    </a:lnB>
-                  </a:tcPr>
-                </a:tc>
-                <a:tc>
-                  <a:txBody>
-                    <a:bodyPr/>
-                    <a:lstStyle/>
-                    <a:p>
-                      <a:pPr marL="228600" lvl="0" indent="-203200" algn="l" rtl="0">
-                        <a:spcBef>
-                          <a:spcPts val="0"/>
-                        </a:spcBef>
-                        <a:spcAft>
-                          <a:spcPts val="0"/>
-                        </a:spcAft>
-                        <a:buClr>
-                          <a:schemeClr val="accent5"/>
-                        </a:buClr>
-                        <a:buSzPts val="1400"/>
-                        <a:buFont typeface="Didact Gothic"/>
-                        <a:buChar char="■"/>
-                      </a:pPr>
-                      <a:r>
-                        <a:rPr lang="fr">
-                          <a:solidFill>
-                            <a:schemeClr val="dk1"/>
-                          </a:solidFill>
-                          <a:latin typeface="Didact Gothic"/>
-                          <a:ea typeface="Didact Gothic"/>
-                          <a:cs typeface="Didact Gothic"/>
-                          <a:sym typeface="Didact Gothic"/>
-                        </a:rPr>
-                        <a:t>Pluton est considérée une planète naine</a:t>
-                      </a:r>
-                      <a:endParaRPr>
-                        <a:solidFill>
-                          <a:schemeClr val="dk1"/>
-                        </a:solidFill>
-                        <a:latin typeface="Didact Gothic"/>
-                        <a:ea typeface="Didact Gothic"/>
-                        <a:cs typeface="Didact Gothic"/>
-                        <a:sym typeface="Didact Gothic"/>
-                      </a:endParaRPr>
-                    </a:p>
-                    <a:p>
-                      <a:pPr marL="228600" lvl="0" indent="-203200" algn="l" rtl="0">
-                        <a:spcBef>
-                          <a:spcPts val="0"/>
-                        </a:spcBef>
-                        <a:spcAft>
-                          <a:spcPts val="0"/>
-                        </a:spcAft>
-                        <a:buClr>
-                          <a:schemeClr val="accent5"/>
-                        </a:buClr>
-                        <a:buSzPts val="1400"/>
-                        <a:buFont typeface="Didact Gothic"/>
-                        <a:buChar char="■"/>
-                      </a:pPr>
-                      <a:r>
-                        <a:rPr lang="fr">
-                          <a:solidFill>
-                            <a:schemeClr val="dk1"/>
-                          </a:solidFill>
-                          <a:latin typeface="Didact Gothic"/>
-                          <a:ea typeface="Didact Gothic"/>
-                          <a:cs typeface="Didact Gothic"/>
-                          <a:sym typeface="Didact Gothic"/>
-                        </a:rPr>
-                        <a:t>La Lune est un satellite naturel de la Terre</a:t>
-                      </a:r>
-                      <a:endParaRPr>
-                        <a:solidFill>
-                          <a:schemeClr val="dk1"/>
-                        </a:solidFill>
-                        <a:latin typeface="Didact Gothic"/>
-                        <a:ea typeface="Didact Gothic"/>
-                        <a:cs typeface="Didact Gothic"/>
-                        <a:sym typeface="Didact Gothic"/>
-                      </a:endParaRPr>
-                    </a:p>
-                  </a:txBody>
-                  <a:tcPr marL="91425" marR="91425" marT="91425" marB="91425">
-                    <a:lnL w="9525" cap="flat" cmpd="sng">
-                      <a:solidFill>
-                        <a:schemeClr val="accent3"/>
-                      </a:solidFill>
-                      <a:prstDash val="solid"/>
-                      <a:round/>
-                      <a:headEnd type="none" w="sm" len="sm"/>
-                      <a:tailEnd type="none" w="sm" len="sm"/>
-                    </a:lnL>
-                    <a:lnR w="9525" cap="flat" cmpd="sng">
-                      <a:solidFill>
-                        <a:schemeClr val="accent3"/>
-                      </a:solidFill>
-                      <a:prstDash val="solid"/>
-                      <a:round/>
-                      <a:headEnd type="none" w="sm" len="sm"/>
-                      <a:tailEnd type="none" w="sm" len="sm"/>
-                    </a:lnR>
-                    <a:lnT w="9525" cap="flat" cmpd="sng">
-                      <a:solidFill>
-                        <a:schemeClr val="accent3">
-                          <a:alpha val="0"/>
-                        </a:schemeClr>
-                      </a:solidFill>
-                      <a:prstDash val="solid"/>
-                      <a:round/>
-                      <a:headEnd type="none" w="sm" len="sm"/>
-                      <a:tailEnd type="none" w="sm" len="sm"/>
-                    </a:lnT>
-                    <a:lnB w="9525" cap="flat" cmpd="sng">
-                      <a:solidFill>
-                        <a:schemeClr val="accent3"/>
-                      </a:solidFill>
-                      <a:prstDash val="solid"/>
-                      <a:round/>
-                      <a:headEnd type="none" w="sm" len="sm"/>
-                      <a:tailEnd type="none" w="sm" len="sm"/>
-                    </a:lnB>
-                  </a:tcPr>
-                </a:tc>
-                <a:tc>
-                  <a:txBody>
-                    <a:bodyPr/>
-                    <a:lstStyle/>
-                    <a:p>
-                      <a:pPr marL="228600" lvl="0" indent="-203200" algn="l" rtl="0">
-                        <a:spcBef>
-                          <a:spcPts val="0"/>
-                        </a:spcBef>
-                        <a:spcAft>
-                          <a:spcPts val="0"/>
-                        </a:spcAft>
-                        <a:buClr>
-                          <a:schemeClr val="accent2"/>
-                        </a:buClr>
-                        <a:buSzPts val="1400"/>
-                        <a:buFont typeface="Didact Gothic"/>
-                        <a:buChar char="■"/>
-                      </a:pPr>
-                      <a:r>
-                        <a:rPr lang="fr" dirty="0">
-                          <a:solidFill>
-                            <a:schemeClr val="dk1"/>
-                          </a:solidFill>
-                          <a:latin typeface="Didact Gothic"/>
-                          <a:ea typeface="Didact Gothic"/>
-                          <a:cs typeface="Didact Gothic"/>
-                          <a:sym typeface="Didact Gothic"/>
-                        </a:rPr>
-                        <a:t>Le Soleil est une étoile très grande</a:t>
-                      </a:r>
-                      <a:endParaRPr dirty="0">
-                        <a:solidFill>
-                          <a:schemeClr val="dk1"/>
-                        </a:solidFill>
-                        <a:latin typeface="Didact Gothic"/>
-                        <a:ea typeface="Didact Gothic"/>
-                        <a:cs typeface="Didact Gothic"/>
-                        <a:sym typeface="Didact Gothic"/>
-                      </a:endParaRPr>
-                    </a:p>
-                    <a:p>
-                      <a:pPr marL="228600" lvl="0" indent="-203200" algn="l" rtl="0">
-                        <a:spcBef>
-                          <a:spcPts val="0"/>
-                        </a:spcBef>
-                        <a:spcAft>
-                          <a:spcPts val="0"/>
-                        </a:spcAft>
-                        <a:buClr>
-                          <a:schemeClr val="accent2"/>
-                        </a:buClr>
-                        <a:buSzPts val="1400"/>
-                        <a:buFont typeface="Didact Gothic"/>
-                        <a:buChar char="■"/>
-                      </a:pPr>
-                      <a:r>
-                        <a:rPr lang="fr" dirty="0">
-                          <a:solidFill>
-                            <a:schemeClr val="dk1"/>
-                          </a:solidFill>
-                          <a:latin typeface="Didact Gothic"/>
-                          <a:ea typeface="Didact Gothic"/>
-                          <a:cs typeface="Didact Gothic"/>
-                          <a:sym typeface="Didact Gothic"/>
-                        </a:rPr>
-                        <a:t>Nous habitons tous dans la Terre</a:t>
-                      </a:r>
-                      <a:endParaRPr dirty="0">
-                        <a:solidFill>
-                          <a:schemeClr val="dk1"/>
-                        </a:solidFill>
-                        <a:latin typeface="Didact Gothic"/>
-                        <a:ea typeface="Didact Gothic"/>
-                        <a:cs typeface="Didact Gothic"/>
-                        <a:sym typeface="Didact Gothic"/>
-                      </a:endParaRPr>
-                    </a:p>
-                  </a:txBody>
-                  <a:tcPr marL="91425" marR="91425" marT="91425" marB="91425">
-                    <a:lnL w="9525" cap="flat" cmpd="sng">
-                      <a:solidFill>
-                        <a:schemeClr val="accent3"/>
-                      </a:solidFill>
-                      <a:prstDash val="solid"/>
-                      <a:round/>
-                      <a:headEnd type="none" w="sm" len="sm"/>
-                      <a:tailEnd type="none" w="sm" len="sm"/>
-                    </a:lnL>
-                    <a:lnR w="9525" cap="flat" cmpd="sng">
-                      <a:solidFill>
-                        <a:schemeClr val="accent3"/>
-                      </a:solidFill>
-                      <a:prstDash val="solid"/>
-                      <a:round/>
-                      <a:headEnd type="none" w="sm" len="sm"/>
-                      <a:tailEnd type="none" w="sm" len="sm"/>
-                    </a:lnR>
-                    <a:lnT w="9525" cap="flat" cmpd="sng">
-                      <a:solidFill>
-                        <a:schemeClr val="accent3">
-                          <a:alpha val="0"/>
-                        </a:schemeClr>
-                      </a:solidFill>
-                      <a:prstDash val="solid"/>
-                      <a:round/>
-                      <a:headEnd type="none" w="sm" len="sm"/>
-                      <a:tailEnd type="none" w="sm" len="sm"/>
-                    </a:lnT>
-                    <a:lnB w="9525" cap="flat" cmpd="sng">
-                      <a:solidFill>
-                        <a:schemeClr val="accent3"/>
-                      </a:solidFill>
-                      <a:prstDash val="solid"/>
-                      <a:round/>
-                      <a:headEnd type="none" w="sm" len="sm"/>
-                      <a:tailEnd type="none" w="sm" len="sm"/>
-                    </a:lnB>
-                  </a:tcPr>
-                </a:tc>
-                <a:extLst>
-                  <a:ext uri="{0D108BD9-81ED-4DB2-BD59-A6C34878D82A}">
-                    <a16:rowId xmlns:a16="http://schemas.microsoft.com/office/drawing/2014/main" val="10001"/>
-                  </a:ext>
-                </a:extLst>
-              </a:tr>
-            </a:tbl>
-          </a:graphicData>
-        </a:graphic>
-      </p:graphicFrame>
-      <p:sp>
-        <p:nvSpPr>
-          <p:cNvPr id="748" name="Google Shape;748;p43"/>
-          <p:cNvSpPr/>
-          <p:nvPr/>
-        </p:nvSpPr>
-        <p:spPr>
-          <a:xfrm>
-            <a:off x="713225" y="3043275"/>
-            <a:ext cx="6714600" cy="506400"/>
-          </a:xfrm>
-          <a:prstGeom prst="round2SameRect">
-            <a:avLst>
-              <a:gd name="adj1" fmla="val 50000"/>
-              <a:gd name="adj2" fmla="val 0"/>
-            </a:avLst>
-          </a:prstGeom>
-          <a:gradFill>
-            <a:gsLst>
-              <a:gs pos="0">
-                <a:schemeClr val="dk2"/>
-              </a:gs>
-              <a:gs pos="100000">
-                <a:schemeClr val="accent5"/>
-              </a:gs>
-            </a:gsLst>
-            <a:lin ang="5400012" scaled="0"/>
-          </a:gradFill>
-          <a:ln>
-            <a:noFill/>
-          </a:ln>
-        </p:spPr>
-        <p:txBody>
-          <a:bodyPr spcFirstLastPara="1" wrap="square" lIns="91425" tIns="91425" rIns="91425" bIns="91425" anchor="ctr" anchorCtr="0">
-            <a:noAutofit/>
-          </a:bodyPr>
-          <a:lstStyle/>
-          <a:p>
-            <a:pPr marL="0" lvl="0" indent="0" algn="l" rtl="0">
-              <a:spcBef>
-                <a:spcPts val="0"/>
-              </a:spcBef>
-              <a:spcAft>
-                <a:spcPts val="0"/>
-              </a:spcAft>
-              <a:buNone/>
-            </a:pPr>
-            <a:endParaRPr/>
-          </a:p>
-        </p:txBody>
-      </p:sp>
-      <p:graphicFrame>
-        <p:nvGraphicFramePr>
-          <p:cNvPr id="749" name="Google Shape;749;p43"/>
-          <p:cNvGraphicFramePr/>
-          <p:nvPr>
-            <p:extLst>
-              <p:ext uri="{D42A27DB-BD31-4B8C-83A1-F6EECF244321}">
-                <p14:modId xmlns:p14="http://schemas.microsoft.com/office/powerpoint/2010/main" val="170254444"/>
-              </p:ext>
-            </p:extLst>
-          </p:nvPr>
-        </p:nvGraphicFramePr>
-        <p:xfrm>
-          <a:off x="713200" y="3043263"/>
-          <a:ext cx="6714525" cy="1600135"/>
-        </p:xfrm>
-        <a:graphic>
-          <a:graphicData uri="http://schemas.openxmlformats.org/drawingml/2006/table">
-            <a:tbl>
-              <a:tblPr>
-                <a:noFill/>
-                <a:tableStyleId>{D21B84B1-905F-497D-9B82-5BBA18BE5D6F}</a:tableStyleId>
-              </a:tblPr>
-              <a:tblGrid>
-                <a:gridCol w="2238175">
-                  <a:extLst>
-                    <a:ext uri="{9D8B030D-6E8A-4147-A177-3AD203B41FA5}">
-                      <a16:colId xmlns:a16="http://schemas.microsoft.com/office/drawing/2014/main" val="20000"/>
-                    </a:ext>
-                  </a:extLst>
-                </a:gridCol>
-                <a:gridCol w="2238175">
-                  <a:extLst>
-                    <a:ext uri="{9D8B030D-6E8A-4147-A177-3AD203B41FA5}">
-                      <a16:colId xmlns:a16="http://schemas.microsoft.com/office/drawing/2014/main" val="20001"/>
-                    </a:ext>
-                  </a:extLst>
-                </a:gridCol>
-                <a:gridCol w="2238175">
-                  <a:extLst>
-                    <a:ext uri="{9D8B030D-6E8A-4147-A177-3AD203B41FA5}">
-                      <a16:colId xmlns:a16="http://schemas.microsoft.com/office/drawing/2014/main" val="20002"/>
-                    </a:ext>
-                  </a:extLst>
-                </a:gridCol>
-              </a:tblGrid>
-              <a:tr h="506475">
-                <a:tc>
-                  <a:txBody>
-                    <a:bodyPr/>
-                    <a:lstStyle/>
-                    <a:p>
-                      <a:pPr marL="0" lvl="0" indent="0" algn="l" rtl="0">
-                        <a:spcBef>
-                          <a:spcPts val="0"/>
-                        </a:spcBef>
-                        <a:spcAft>
-                          <a:spcPts val="0"/>
-                        </a:spcAft>
-                        <a:buNone/>
-                      </a:pPr>
-                      <a:r>
-                        <a:rPr lang="hu-HU" sz="1400" b="0" i="0" u="none" strike="noStrike" cap="none" dirty="0">
-                          <a:solidFill>
-                            <a:schemeClr val="accent4"/>
-                          </a:solidFill>
-                          <a:effectLst/>
-                          <a:latin typeface="Arial"/>
-                          <a:ea typeface="Arial"/>
-                          <a:cs typeface="Arial"/>
-                          <a:sym typeface="Arial"/>
-                        </a:rPr>
-                        <a:t>Feladatok Rendezése és Keresése:</a:t>
-                      </a:r>
-                      <a:endParaRPr sz="2300" b="1" dirty="0">
-                        <a:solidFill>
-                          <a:schemeClr val="accent4"/>
-                        </a:solidFill>
-                        <a:latin typeface="Questrial"/>
-                        <a:ea typeface="Questrial"/>
-                        <a:cs typeface="Questrial"/>
-                        <a:sym typeface="Questrial"/>
-                      </a:endParaRPr>
-                    </a:p>
-                  </a:txBody>
-                  <a:tcPr marL="91425" marR="91425" marT="91425" marB="45700">
-                    <a:lnL w="9525" cap="flat" cmpd="sng">
-                      <a:solidFill>
-                        <a:schemeClr val="accent3">
-                          <a:alpha val="0"/>
-                        </a:schemeClr>
-                      </a:solidFill>
-                      <a:prstDash val="solid"/>
-                      <a:round/>
-                      <a:headEnd type="none" w="sm" len="sm"/>
-                      <a:tailEnd type="none" w="sm" len="sm"/>
-                    </a:lnL>
-                    <a:lnR w="9525" cap="flat" cmpd="sng">
-                      <a:solidFill>
-                        <a:schemeClr val="accent3"/>
-                      </a:solidFill>
-                      <a:prstDash val="solid"/>
-                      <a:round/>
-                      <a:headEnd type="none" w="sm" len="sm"/>
-                      <a:tailEnd type="none" w="sm" len="sm"/>
-                    </a:lnR>
-                    <a:lnT w="9525" cap="flat" cmpd="sng">
-                      <a:solidFill>
-                        <a:schemeClr val="accent3">
-                          <a:alpha val="0"/>
-                        </a:schemeClr>
-                      </a:solidFill>
-                      <a:prstDash val="solid"/>
-                      <a:round/>
-                      <a:headEnd type="none" w="sm" len="sm"/>
-                      <a:tailEnd type="none" w="sm" len="sm"/>
-                    </a:lnT>
-                    <a:lnB w="9525" cap="flat" cmpd="sng">
-                      <a:solidFill>
-                        <a:schemeClr val="accent3">
-                          <a:alpha val="0"/>
-                        </a:schemeClr>
-                      </a:solidFill>
-                      <a:prstDash val="solid"/>
-                      <a:round/>
-                      <a:headEnd type="none" w="sm" len="sm"/>
-                      <a:tailEnd type="none" w="sm" len="sm"/>
-                    </a:lnB>
-                  </a:tcPr>
-                </a:tc>
-                <a:tc>
-                  <a:txBody>
-                    <a:bodyPr/>
-                    <a:lstStyle/>
-                    <a:p>
-                      <a:pPr marL="0" lvl="0" indent="0" algn="l" rtl="0">
-                        <a:spcBef>
-                          <a:spcPts val="0"/>
-                        </a:spcBef>
-                        <a:spcAft>
-                          <a:spcPts val="0"/>
-                        </a:spcAft>
-                        <a:buNone/>
-                      </a:pPr>
-                      <a:r>
-                        <a:rPr lang="fr" sz="2300" b="1">
-                          <a:solidFill>
-                            <a:schemeClr val="accent4"/>
-                          </a:solidFill>
-                          <a:latin typeface="Questrial"/>
-                          <a:ea typeface="Questrial"/>
-                          <a:cs typeface="Questrial"/>
-                          <a:sym typeface="Questrial"/>
-                        </a:rPr>
-                        <a:t>Vendredi</a:t>
-                      </a:r>
-                      <a:endParaRPr sz="2300" b="1">
-                        <a:solidFill>
-                          <a:schemeClr val="accent4"/>
-                        </a:solidFill>
-                        <a:latin typeface="Questrial"/>
-                        <a:ea typeface="Questrial"/>
-                        <a:cs typeface="Questrial"/>
-                        <a:sym typeface="Questrial"/>
-                      </a:endParaRPr>
-                    </a:p>
-                  </a:txBody>
-                  <a:tcPr marL="91425" marR="91425" marT="91425" marB="45700">
-                    <a:lnL w="9525" cap="flat" cmpd="sng">
-                      <a:solidFill>
-                        <a:schemeClr val="accent3"/>
-                      </a:solidFill>
-                      <a:prstDash val="solid"/>
-                      <a:round/>
-                      <a:headEnd type="none" w="sm" len="sm"/>
-                      <a:tailEnd type="none" w="sm" len="sm"/>
-                    </a:lnL>
-                    <a:lnR w="9525" cap="flat" cmpd="sng">
-                      <a:solidFill>
-                        <a:schemeClr val="accent3"/>
-                      </a:solidFill>
-                      <a:prstDash val="solid"/>
-                      <a:round/>
-                      <a:headEnd type="none" w="sm" len="sm"/>
-                      <a:tailEnd type="none" w="sm" len="sm"/>
-                    </a:lnR>
-                    <a:lnT w="9525" cap="flat" cmpd="sng">
-                      <a:solidFill>
-                        <a:schemeClr val="accent3">
-                          <a:alpha val="0"/>
-                        </a:schemeClr>
-                      </a:solidFill>
-                      <a:prstDash val="solid"/>
-                      <a:round/>
-                      <a:headEnd type="none" w="sm" len="sm"/>
-                      <a:tailEnd type="none" w="sm" len="sm"/>
-                    </a:lnT>
-                    <a:lnB w="9525" cap="flat" cmpd="sng">
-                      <a:solidFill>
-                        <a:schemeClr val="accent3">
-                          <a:alpha val="0"/>
-                        </a:schemeClr>
-                      </a:solidFill>
-                      <a:prstDash val="solid"/>
-                      <a:round/>
-                      <a:headEnd type="none" w="sm" len="sm"/>
-                      <a:tailEnd type="none" w="sm" len="sm"/>
-                    </a:lnB>
-                  </a:tcPr>
-                </a:tc>
-                <a:tc>
-                  <a:txBody>
-                    <a:bodyPr/>
-                    <a:lstStyle/>
-                    <a:p>
-                      <a:pPr marL="0" lvl="0" indent="0" algn="l" rtl="0">
-                        <a:spcBef>
-                          <a:spcPts val="0"/>
-                        </a:spcBef>
-                        <a:spcAft>
-                          <a:spcPts val="0"/>
-                        </a:spcAft>
-                        <a:buNone/>
-                      </a:pPr>
-                      <a:r>
-                        <a:rPr lang="fr" sz="2300" b="1">
-                          <a:solidFill>
-                            <a:schemeClr val="accent4"/>
-                          </a:solidFill>
-                          <a:latin typeface="Questrial"/>
-                          <a:ea typeface="Questrial"/>
-                          <a:cs typeface="Questrial"/>
-                          <a:sym typeface="Questrial"/>
-                        </a:rPr>
-                        <a:t>Samedi</a:t>
-                      </a:r>
-                      <a:endParaRPr sz="2300" b="1">
-                        <a:solidFill>
-                          <a:schemeClr val="accent4"/>
-                        </a:solidFill>
-                        <a:latin typeface="Questrial"/>
-                        <a:ea typeface="Questrial"/>
-                        <a:cs typeface="Questrial"/>
-                        <a:sym typeface="Questrial"/>
-                      </a:endParaRPr>
-                    </a:p>
-                  </a:txBody>
-                  <a:tcPr marL="91425" marR="91425" marT="91425" marB="45700">
-                    <a:lnL w="9525" cap="flat" cmpd="sng">
-                      <a:solidFill>
-                        <a:schemeClr val="accent3"/>
-                      </a:solidFill>
-                      <a:prstDash val="solid"/>
-                      <a:round/>
-                      <a:headEnd type="none" w="sm" len="sm"/>
-                      <a:tailEnd type="none" w="sm" len="sm"/>
-                    </a:lnL>
-                    <a:lnR w="9525" cap="flat" cmpd="sng">
-                      <a:solidFill>
-                        <a:schemeClr val="accent3">
-                          <a:alpha val="0"/>
-                        </a:schemeClr>
-                      </a:solidFill>
-                      <a:prstDash val="solid"/>
-                      <a:round/>
-                      <a:headEnd type="none" w="sm" len="sm"/>
-                      <a:tailEnd type="none" w="sm" len="sm"/>
-                    </a:lnR>
-                    <a:lnT w="9525" cap="flat" cmpd="sng">
-                      <a:solidFill>
-                        <a:schemeClr val="accent3">
-                          <a:alpha val="0"/>
-                        </a:schemeClr>
-                      </a:solidFill>
-                      <a:prstDash val="solid"/>
-                      <a:round/>
-                      <a:headEnd type="none" w="sm" len="sm"/>
-                      <a:tailEnd type="none" w="sm" len="sm"/>
-                    </a:lnT>
-                    <a:lnB w="9525" cap="flat" cmpd="sng">
-                      <a:solidFill>
-                        <a:schemeClr val="accent3">
-                          <a:alpha val="0"/>
-                        </a:schemeClr>
-                      </a:solidFill>
-                      <a:prstDash val="solid"/>
-                      <a:round/>
-                      <a:headEnd type="none" w="sm" len="sm"/>
-                      <a:tailEnd type="none" w="sm" len="sm"/>
-                    </a:lnB>
-                  </a:tcPr>
-                </a:tc>
-                <a:extLst>
-                  <a:ext uri="{0D108BD9-81ED-4DB2-BD59-A6C34878D82A}">
-                    <a16:rowId xmlns:a16="http://schemas.microsoft.com/office/drawing/2014/main" val="10000"/>
-                  </a:ext>
-                </a:extLst>
-              </a:tr>
-              <a:tr h="1027100">
-                <a:tc>
-                  <a:txBody>
-                    <a:bodyPr/>
-                    <a:lstStyle/>
-                    <a:p>
-                      <a:pPr marL="228600" lvl="0" indent="-203200" algn="l" rtl="0">
-                        <a:spcBef>
-                          <a:spcPts val="0"/>
-                        </a:spcBef>
-                        <a:spcAft>
-                          <a:spcPts val="0"/>
-                        </a:spcAft>
-                        <a:buClr>
-                          <a:schemeClr val="dk2"/>
-                        </a:buClr>
-                        <a:buSzPts val="1400"/>
-                        <a:buFont typeface="Didact Gothic"/>
-                        <a:buChar char="■"/>
-                      </a:pPr>
-                      <a:r>
-                        <a:rPr lang="fr">
-                          <a:solidFill>
-                            <a:schemeClr val="dk1"/>
-                          </a:solidFill>
-                          <a:latin typeface="Didact Gothic"/>
-                          <a:ea typeface="Didact Gothic"/>
-                          <a:cs typeface="Didact Gothic"/>
-                          <a:sym typeface="Didact Gothic"/>
-                        </a:rPr>
-                        <a:t>Neptune est très éloignée du Soleil</a:t>
-                      </a:r>
-                      <a:endParaRPr>
-                        <a:solidFill>
-                          <a:schemeClr val="dk1"/>
-                        </a:solidFill>
-                        <a:latin typeface="Didact Gothic"/>
-                        <a:ea typeface="Didact Gothic"/>
-                        <a:cs typeface="Didact Gothic"/>
-                        <a:sym typeface="Didact Gothic"/>
-                      </a:endParaRPr>
-                    </a:p>
-                    <a:p>
-                      <a:pPr marL="228600" lvl="0" indent="-203200" algn="l" rtl="0">
-                        <a:spcBef>
-                          <a:spcPts val="0"/>
-                        </a:spcBef>
-                        <a:spcAft>
-                          <a:spcPts val="0"/>
-                        </a:spcAft>
-                        <a:buClr>
-                          <a:schemeClr val="dk2"/>
-                        </a:buClr>
-                        <a:buSzPts val="1400"/>
-                        <a:buFont typeface="Didact Gothic"/>
-                        <a:buChar char="■"/>
-                      </a:pPr>
-                      <a:r>
-                        <a:rPr lang="fr">
-                          <a:solidFill>
-                            <a:schemeClr val="dk1"/>
-                          </a:solidFill>
-                          <a:latin typeface="Didact Gothic"/>
-                          <a:ea typeface="Didact Gothic"/>
-                          <a:cs typeface="Didact Gothic"/>
-                          <a:sym typeface="Didact Gothic"/>
-                        </a:rPr>
-                        <a:t>Mercure est la planète la plus petite</a:t>
-                      </a:r>
-                      <a:endParaRPr>
-                        <a:solidFill>
-                          <a:schemeClr val="dk1"/>
-                        </a:solidFill>
-                        <a:latin typeface="Didact Gothic"/>
-                        <a:ea typeface="Didact Gothic"/>
-                        <a:cs typeface="Didact Gothic"/>
-                        <a:sym typeface="Didact Gothic"/>
-                      </a:endParaRPr>
-                    </a:p>
-                  </a:txBody>
-                  <a:tcPr marL="91425" marR="91425" marT="91425" marB="91425">
-                    <a:lnL w="9525" cap="flat" cmpd="sng">
-                      <a:solidFill>
-                        <a:schemeClr val="accent3"/>
-                      </a:solidFill>
-                      <a:prstDash val="solid"/>
-                      <a:round/>
-                      <a:headEnd type="none" w="sm" len="sm"/>
-                      <a:tailEnd type="none" w="sm" len="sm"/>
-                    </a:lnL>
-                    <a:lnR w="9525" cap="flat" cmpd="sng">
-                      <a:solidFill>
-                        <a:schemeClr val="accent3"/>
-                      </a:solidFill>
-                      <a:prstDash val="solid"/>
-                      <a:round/>
-                      <a:headEnd type="none" w="sm" len="sm"/>
-                      <a:tailEnd type="none" w="sm" len="sm"/>
-                    </a:lnR>
-                    <a:lnT w="9525" cap="flat" cmpd="sng">
-                      <a:solidFill>
-                        <a:schemeClr val="accent3">
-                          <a:alpha val="0"/>
-                        </a:schemeClr>
-                      </a:solidFill>
-                      <a:prstDash val="solid"/>
-                      <a:round/>
-                      <a:headEnd type="none" w="sm" len="sm"/>
-                      <a:tailEnd type="none" w="sm" len="sm"/>
-                    </a:lnT>
-                    <a:lnB w="9525" cap="flat" cmpd="sng">
-                      <a:solidFill>
-                        <a:schemeClr val="accent3"/>
-                      </a:solidFill>
-                      <a:prstDash val="solid"/>
-                      <a:round/>
-                      <a:headEnd type="none" w="sm" len="sm"/>
-                      <a:tailEnd type="none" w="sm" len="sm"/>
-                    </a:lnB>
-                  </a:tcPr>
-                </a:tc>
-                <a:tc>
-                  <a:txBody>
-                    <a:bodyPr/>
-                    <a:lstStyle/>
-                    <a:p>
-                      <a:pPr marL="228600" lvl="0" indent="-203200" algn="l" rtl="0">
-                        <a:spcBef>
-                          <a:spcPts val="0"/>
-                        </a:spcBef>
-                        <a:spcAft>
-                          <a:spcPts val="0"/>
-                        </a:spcAft>
-                        <a:buClr>
-                          <a:schemeClr val="lt2"/>
-                        </a:buClr>
-                        <a:buSzPts val="1400"/>
-                        <a:buFont typeface="Didact Gothic"/>
-                        <a:buChar char="■"/>
-                      </a:pPr>
-                      <a:r>
-                        <a:rPr lang="fr">
-                          <a:solidFill>
-                            <a:schemeClr val="dk1"/>
-                          </a:solidFill>
-                          <a:latin typeface="Didact Gothic"/>
-                          <a:ea typeface="Didact Gothic"/>
-                          <a:cs typeface="Didact Gothic"/>
-                          <a:sym typeface="Didact Gothic"/>
-                        </a:rPr>
-                        <a:t>Jupiter est la planète la plus grande</a:t>
-                      </a:r>
-                      <a:endParaRPr>
-                        <a:solidFill>
-                          <a:schemeClr val="dk1"/>
-                        </a:solidFill>
-                        <a:latin typeface="Didact Gothic"/>
-                        <a:ea typeface="Didact Gothic"/>
-                        <a:cs typeface="Didact Gothic"/>
-                        <a:sym typeface="Didact Gothic"/>
-                      </a:endParaRPr>
-                    </a:p>
-                    <a:p>
-                      <a:pPr marL="228600" lvl="0" indent="-203200" algn="l" rtl="0">
-                        <a:spcBef>
-                          <a:spcPts val="0"/>
-                        </a:spcBef>
-                        <a:spcAft>
-                          <a:spcPts val="0"/>
-                        </a:spcAft>
-                        <a:buClr>
-                          <a:schemeClr val="lt2"/>
-                        </a:buClr>
-                        <a:buSzPts val="1400"/>
-                        <a:buFont typeface="Didact Gothic"/>
-                        <a:buChar char="■"/>
-                      </a:pPr>
-                      <a:r>
-                        <a:rPr lang="fr">
-                          <a:solidFill>
-                            <a:schemeClr val="dk1"/>
-                          </a:solidFill>
-                          <a:latin typeface="Didact Gothic"/>
-                          <a:ea typeface="Didact Gothic"/>
-                          <a:cs typeface="Didact Gothic"/>
-                          <a:sym typeface="Didact Gothic"/>
-                        </a:rPr>
-                        <a:t>Saturne possède plusieurs anneaux</a:t>
-                      </a:r>
-                      <a:endParaRPr>
-                        <a:solidFill>
-                          <a:schemeClr val="dk1"/>
-                        </a:solidFill>
-                        <a:latin typeface="Didact Gothic"/>
-                        <a:ea typeface="Didact Gothic"/>
-                        <a:cs typeface="Didact Gothic"/>
-                        <a:sym typeface="Didact Gothic"/>
-                      </a:endParaRPr>
-                    </a:p>
-                  </a:txBody>
-                  <a:tcPr marL="91425" marR="91425" marT="91425" marB="91425">
-                    <a:lnL w="9525" cap="flat" cmpd="sng">
-                      <a:solidFill>
-                        <a:schemeClr val="accent3"/>
-                      </a:solidFill>
-                      <a:prstDash val="solid"/>
-                      <a:round/>
-                      <a:headEnd type="none" w="sm" len="sm"/>
-                      <a:tailEnd type="none" w="sm" len="sm"/>
-                    </a:lnL>
-                    <a:lnR w="9525" cap="flat" cmpd="sng">
-                      <a:solidFill>
-                        <a:schemeClr val="accent3"/>
-                      </a:solidFill>
-                      <a:prstDash val="solid"/>
-                      <a:round/>
-                      <a:headEnd type="none" w="sm" len="sm"/>
-                      <a:tailEnd type="none" w="sm" len="sm"/>
-                    </a:lnR>
-                    <a:lnT w="9525" cap="flat" cmpd="sng">
-                      <a:solidFill>
-                        <a:schemeClr val="accent3">
-                          <a:alpha val="0"/>
-                        </a:schemeClr>
-                      </a:solidFill>
-                      <a:prstDash val="solid"/>
-                      <a:round/>
-                      <a:headEnd type="none" w="sm" len="sm"/>
-                      <a:tailEnd type="none" w="sm" len="sm"/>
-                    </a:lnT>
-                    <a:lnB w="9525" cap="flat" cmpd="sng">
-                      <a:solidFill>
-                        <a:schemeClr val="accent3"/>
-                      </a:solidFill>
-                      <a:prstDash val="solid"/>
-                      <a:round/>
-                      <a:headEnd type="none" w="sm" len="sm"/>
-                      <a:tailEnd type="none" w="sm" len="sm"/>
-                    </a:lnB>
-                  </a:tcPr>
-                </a:tc>
-                <a:tc>
-                  <a:txBody>
-                    <a:bodyPr/>
-                    <a:lstStyle/>
-                    <a:p>
-                      <a:pPr marL="228600" lvl="0" indent="-203200" algn="l" rtl="0">
-                        <a:spcBef>
-                          <a:spcPts val="0"/>
-                        </a:spcBef>
-                        <a:spcAft>
-                          <a:spcPts val="0"/>
-                        </a:spcAft>
-                        <a:buClr>
-                          <a:schemeClr val="accent6"/>
-                        </a:buClr>
-                        <a:buSzPts val="1400"/>
-                        <a:buFont typeface="Didact Gothic"/>
-                        <a:buChar char="■"/>
-                      </a:pPr>
-                      <a:r>
-                        <a:rPr lang="fr" dirty="0">
-                          <a:solidFill>
-                            <a:schemeClr val="dk1"/>
-                          </a:solidFill>
-                          <a:latin typeface="Didact Gothic"/>
-                          <a:ea typeface="Didact Gothic"/>
-                          <a:cs typeface="Didact Gothic"/>
-                          <a:sym typeface="Didact Gothic"/>
-                        </a:rPr>
-                        <a:t>Vénus est une planète avec un beau nom</a:t>
-                      </a:r>
-                      <a:endParaRPr dirty="0">
-                        <a:solidFill>
-                          <a:schemeClr val="dk1"/>
-                        </a:solidFill>
-                        <a:latin typeface="Didact Gothic"/>
-                        <a:ea typeface="Didact Gothic"/>
-                        <a:cs typeface="Didact Gothic"/>
-                        <a:sym typeface="Didact Gothic"/>
-                      </a:endParaRPr>
-                    </a:p>
-                    <a:p>
-                      <a:pPr marL="228600" lvl="0" indent="-203200" algn="l" rtl="0">
-                        <a:spcBef>
-                          <a:spcPts val="0"/>
-                        </a:spcBef>
-                        <a:spcAft>
-                          <a:spcPts val="0"/>
-                        </a:spcAft>
-                        <a:buClr>
-                          <a:schemeClr val="accent6"/>
-                        </a:buClr>
-                        <a:buSzPts val="1400"/>
-                        <a:buFont typeface="Didact Gothic"/>
-                        <a:buChar char="■"/>
-                      </a:pPr>
-                      <a:r>
-                        <a:rPr lang="fr" dirty="0">
-                          <a:solidFill>
-                            <a:schemeClr val="dk1"/>
-                          </a:solidFill>
-                          <a:latin typeface="Didact Gothic"/>
-                          <a:ea typeface="Didact Gothic"/>
-                          <a:cs typeface="Didact Gothic"/>
-                          <a:sym typeface="Didact Gothic"/>
-                        </a:rPr>
-                        <a:t>Uranus est une géante de glace</a:t>
-                      </a:r>
-                      <a:endParaRPr dirty="0">
-                        <a:solidFill>
-                          <a:schemeClr val="dk1"/>
-                        </a:solidFill>
-                        <a:latin typeface="Didact Gothic"/>
-                        <a:ea typeface="Didact Gothic"/>
-                        <a:cs typeface="Didact Gothic"/>
-                        <a:sym typeface="Didact Gothic"/>
-                      </a:endParaRPr>
-                    </a:p>
-                  </a:txBody>
-                  <a:tcPr marL="91425" marR="91425" marT="91425" marB="91425">
-                    <a:lnL w="9525" cap="flat" cmpd="sng">
-                      <a:solidFill>
-                        <a:schemeClr val="accent3"/>
-                      </a:solidFill>
-                      <a:prstDash val="solid"/>
-                      <a:round/>
-                      <a:headEnd type="none" w="sm" len="sm"/>
-                      <a:tailEnd type="none" w="sm" len="sm"/>
-                    </a:lnL>
-                    <a:lnR w="9525" cap="flat" cmpd="sng">
-                      <a:solidFill>
-                        <a:schemeClr val="accent3"/>
-                      </a:solidFill>
-                      <a:prstDash val="solid"/>
-                      <a:round/>
-                      <a:headEnd type="none" w="sm" len="sm"/>
-                      <a:tailEnd type="none" w="sm" len="sm"/>
-                    </a:lnR>
-                    <a:lnT w="9525" cap="flat" cmpd="sng">
-                      <a:solidFill>
-                        <a:schemeClr val="accent3">
-                          <a:alpha val="0"/>
-                        </a:schemeClr>
-                      </a:solidFill>
-                      <a:prstDash val="solid"/>
-                      <a:round/>
-                      <a:headEnd type="none" w="sm" len="sm"/>
-                      <a:tailEnd type="none" w="sm" len="sm"/>
-                    </a:lnT>
-                    <a:lnB w="9525" cap="flat" cmpd="sng">
-                      <a:solidFill>
-                        <a:schemeClr val="accent3"/>
-                      </a:solidFill>
-                      <a:prstDash val="solid"/>
-                      <a:round/>
-                      <a:headEnd type="none" w="sm" len="sm"/>
-                      <a:tailEnd type="none" w="sm" len="sm"/>
-                    </a:lnB>
-                  </a:tcPr>
-                </a:tc>
-                <a:extLst>
-                  <a:ext uri="{0D108BD9-81ED-4DB2-BD59-A6C34878D82A}">
-                    <a16:rowId xmlns:a16="http://schemas.microsoft.com/office/drawing/2014/main" val="10001"/>
-                  </a:ext>
-                </a:extLst>
-              </a:tr>
-            </a:tbl>
-          </a:graphicData>
-        </a:graphic>
-      </p:graphicFrame>
       <p:sp>
         <p:nvSpPr>
           <p:cNvPr id="750" name="Google Shape;750;p43"/>
@@ -16726,6 +15338,290 @@
           </a:p>
         </p:txBody>
       </p:sp>
+      <p:sp>
+        <p:nvSpPr>
+          <p:cNvPr id="6" name="Szövegdoboz 5">
+            <a:extLst>
+              <a:ext uri="{FF2B5EF4-FFF2-40B4-BE49-F238E27FC236}">
+                <a16:creationId xmlns:a16="http://schemas.microsoft.com/office/drawing/2014/main" id="{C4E337C7-72D8-EB1F-13F7-6D74017784BA}"/>
+              </a:ext>
+            </a:extLst>
+          </p:cNvPr>
+          <p:cNvSpPr txBox="1"/>
+          <p:nvPr/>
+        </p:nvSpPr>
+        <p:spPr>
+          <a:xfrm>
+            <a:off x="791082" y="1331161"/>
+            <a:ext cx="1850186" cy="307777"/>
+          </a:xfrm>
+          <a:prstGeom prst="rect">
+            <a:avLst/>
+          </a:prstGeom>
+          <a:noFill/>
+        </p:spPr>
+        <p:txBody>
+          <a:bodyPr wrap="none" rtlCol="0">
+            <a:spAutoFit/>
+          </a:bodyPr>
+          <a:lstStyle/>
+          <a:p>
+            <a:r>
+              <a:rPr lang="hu-HU" b="0" i="0" u="none" strike="noStrike" dirty="0">
+                <a:solidFill>
+                  <a:schemeClr val="accent4"/>
+                </a:solidFill>
+                <a:effectLst/>
+                <a:latin typeface="-webkit-standard"/>
+              </a:rPr>
+              <a:t>Feladatok Hozzáadása:</a:t>
+            </a:r>
+            <a:endParaRPr lang="hu-HU" dirty="0">
+              <a:solidFill>
+                <a:schemeClr val="accent4"/>
+              </a:solidFill>
+            </a:endParaRPr>
+          </a:p>
+        </p:txBody>
+      </p:sp>
+      <p:sp>
+        <p:nvSpPr>
+          <p:cNvPr id="7" name="Szövegdoboz 6">
+            <a:extLst>
+              <a:ext uri="{FF2B5EF4-FFF2-40B4-BE49-F238E27FC236}">
+                <a16:creationId xmlns:a16="http://schemas.microsoft.com/office/drawing/2014/main" id="{CDA25816-CCA0-F652-6117-11E5021803D9}"/>
+              </a:ext>
+            </a:extLst>
+          </p:cNvPr>
+          <p:cNvSpPr txBox="1"/>
+          <p:nvPr/>
+        </p:nvSpPr>
+        <p:spPr>
+          <a:xfrm>
+            <a:off x="2900575" y="1331160"/>
+            <a:ext cx="1736373" cy="307777"/>
+          </a:xfrm>
+          <a:prstGeom prst="rect">
+            <a:avLst/>
+          </a:prstGeom>
+          <a:noFill/>
+        </p:spPr>
+        <p:txBody>
+          <a:bodyPr wrap="none" rtlCol="0">
+            <a:spAutoFit/>
+          </a:bodyPr>
+          <a:lstStyle/>
+          <a:p>
+            <a:r>
+              <a:rPr lang="hu-HU" b="0" i="0" u="none" strike="noStrike" dirty="0">
+                <a:solidFill>
+                  <a:schemeClr val="accent4"/>
+                </a:solidFill>
+                <a:effectLst/>
+                <a:latin typeface="-webkit-standard"/>
+              </a:rPr>
+              <a:t>Keresés és Rendezés:</a:t>
+            </a:r>
+            <a:endParaRPr lang="hu-HU" dirty="0">
+              <a:solidFill>
+                <a:schemeClr val="accent4"/>
+              </a:solidFill>
+            </a:endParaRPr>
+          </a:p>
+        </p:txBody>
+      </p:sp>
+      <p:sp>
+        <p:nvSpPr>
+          <p:cNvPr id="8" name="Szövegdoboz 7">
+            <a:extLst>
+              <a:ext uri="{FF2B5EF4-FFF2-40B4-BE49-F238E27FC236}">
+                <a16:creationId xmlns:a16="http://schemas.microsoft.com/office/drawing/2014/main" id="{A9BA9ADE-3161-7226-0620-4DBCCE29888C}"/>
+              </a:ext>
+            </a:extLst>
+          </p:cNvPr>
+          <p:cNvSpPr txBox="1"/>
+          <p:nvPr/>
+        </p:nvSpPr>
+        <p:spPr>
+          <a:xfrm>
+            <a:off x="4896255" y="1331161"/>
+            <a:ext cx="2440092" cy="307777"/>
+          </a:xfrm>
+          <a:prstGeom prst="rect">
+            <a:avLst/>
+          </a:prstGeom>
+          <a:noFill/>
+        </p:spPr>
+        <p:txBody>
+          <a:bodyPr wrap="none" rtlCol="0">
+            <a:spAutoFit/>
+          </a:bodyPr>
+          <a:lstStyle/>
+          <a:p>
+            <a:r>
+              <a:rPr lang="hu-HU" b="0" i="0" u="none" strike="noStrike" dirty="0">
+                <a:solidFill>
+                  <a:schemeClr val="accent4"/>
+                </a:solidFill>
+                <a:effectLst/>
+                <a:latin typeface="-webkit-standard"/>
+              </a:rPr>
+              <a:t>Bejelentkezés és Kijelentkezés:</a:t>
+            </a:r>
+            <a:endParaRPr lang="hu-HU" dirty="0">
+              <a:solidFill>
+                <a:schemeClr val="accent4"/>
+              </a:solidFill>
+            </a:endParaRPr>
+          </a:p>
+        </p:txBody>
+      </p:sp>
+      <p:sp>
+        <p:nvSpPr>
+          <p:cNvPr id="9" name="Szövegdoboz 8">
+            <a:extLst>
+              <a:ext uri="{FF2B5EF4-FFF2-40B4-BE49-F238E27FC236}">
+                <a16:creationId xmlns:a16="http://schemas.microsoft.com/office/drawing/2014/main" id="{74B11372-553C-5E62-698A-CC07569B8F32}"/>
+              </a:ext>
+            </a:extLst>
+          </p:cNvPr>
+          <p:cNvSpPr txBox="1"/>
+          <p:nvPr/>
+        </p:nvSpPr>
+        <p:spPr>
+          <a:xfrm>
+            <a:off x="791082" y="1832712"/>
+            <a:ext cx="2023352" cy="2246769"/>
+          </a:xfrm>
+          <a:prstGeom prst="rect">
+            <a:avLst/>
+          </a:prstGeom>
+          <a:noFill/>
+        </p:spPr>
+        <p:txBody>
+          <a:bodyPr wrap="square" rtlCol="0">
+            <a:spAutoFit/>
+          </a:bodyPr>
+          <a:lstStyle/>
+          <a:p>
+            <a:r>
+              <a:rPr lang="hu-HU" b="0" i="0" u="none" strike="noStrike" dirty="0">
+                <a:solidFill>
+                  <a:srgbClr val="000000"/>
+                </a:solidFill>
+                <a:effectLst/>
+                <a:latin typeface="-webkit-standard"/>
+              </a:rPr>
+              <a:t>A feladatok hozzáadásához kattintson a „új feladat” ikonra, majd adja meg a feladat nevét, fontosságát és határidejét. A „Mentés” gombra kattintva a feladat azonnal bekerül a listába.</a:t>
+            </a:r>
+            <a:endParaRPr lang="hu-HU" dirty="0"/>
+          </a:p>
+        </p:txBody>
+      </p:sp>
+      <p:sp>
+        <p:nvSpPr>
+          <p:cNvPr id="10" name="Szövegdoboz 9">
+            <a:extLst>
+              <a:ext uri="{FF2B5EF4-FFF2-40B4-BE49-F238E27FC236}">
+                <a16:creationId xmlns:a16="http://schemas.microsoft.com/office/drawing/2014/main" id="{6707AAFA-4666-3EE4-B805-E9E7DAA8C4E7}"/>
+              </a:ext>
+            </a:extLst>
+          </p:cNvPr>
+          <p:cNvSpPr txBox="1"/>
+          <p:nvPr/>
+        </p:nvSpPr>
+        <p:spPr>
+          <a:xfrm>
+            <a:off x="2900575" y="1832712"/>
+            <a:ext cx="2023352" cy="2031325"/>
+          </a:xfrm>
+          <a:prstGeom prst="rect">
+            <a:avLst/>
+          </a:prstGeom>
+          <a:noFill/>
+        </p:spPr>
+        <p:txBody>
+          <a:bodyPr wrap="square" rtlCol="0">
+            <a:spAutoFit/>
+          </a:bodyPr>
+          <a:lstStyle/>
+          <a:p>
+            <a:r>
+              <a:rPr lang="hu-HU" b="0" i="0" u="none" strike="noStrike" dirty="0">
+                <a:solidFill>
+                  <a:srgbClr val="000000"/>
+                </a:solidFill>
+                <a:effectLst/>
+                <a:latin typeface="-webkit-standard"/>
+              </a:rPr>
+              <a:t>A felhasználók a keresőmező segítségével szűrhetik a feladatokat, míg a rendezési opciók lehetővé teszik, hogy a legfontosabb feladatok kerüljenek előtérbe vagy a </a:t>
+            </a:r>
+            <a:r>
+              <a:rPr lang="hu-HU" b="0" i="0" u="none" strike="noStrike" dirty="0" err="1">
+                <a:solidFill>
+                  <a:srgbClr val="000000"/>
+                </a:solidFill>
+                <a:effectLst/>
+                <a:latin typeface="-webkit-standard"/>
+              </a:rPr>
+              <a:t>leghamarabbi</a:t>
+            </a:r>
+            <a:r>
+              <a:rPr lang="hu-HU" b="0" i="0" u="none" strike="noStrike" dirty="0">
+                <a:solidFill>
+                  <a:srgbClr val="000000"/>
+                </a:solidFill>
+                <a:effectLst/>
+                <a:latin typeface="-webkit-standard"/>
+              </a:rPr>
+              <a:t> határidős.</a:t>
+            </a:r>
+            <a:endParaRPr lang="hu-HU" dirty="0"/>
+          </a:p>
+        </p:txBody>
+      </p:sp>
+      <p:sp>
+        <p:nvSpPr>
+          <p:cNvPr id="11" name="Szövegdoboz 10">
+            <a:extLst>
+              <a:ext uri="{FF2B5EF4-FFF2-40B4-BE49-F238E27FC236}">
+                <a16:creationId xmlns:a16="http://schemas.microsoft.com/office/drawing/2014/main" id="{9AF313B3-CFD2-986A-BF5C-6081AF6A7B9E}"/>
+              </a:ext>
+            </a:extLst>
+          </p:cNvPr>
+          <p:cNvSpPr txBox="1"/>
+          <p:nvPr/>
+        </p:nvSpPr>
+        <p:spPr>
+          <a:xfrm>
+            <a:off x="5104624" y="1832712"/>
+            <a:ext cx="2023353" cy="2677656"/>
+          </a:xfrm>
+          <a:prstGeom prst="rect">
+            <a:avLst/>
+          </a:prstGeom>
+          <a:noFill/>
+        </p:spPr>
+        <p:txBody>
+          <a:bodyPr wrap="square" rtlCol="0">
+            <a:spAutoFit/>
+          </a:bodyPr>
+          <a:lstStyle/>
+          <a:p>
+            <a:r>
+              <a:rPr lang="hu-HU" b="0" i="0" u="none" strike="noStrike" dirty="0">
+                <a:solidFill>
+                  <a:srgbClr val="000000"/>
+                </a:solidFill>
+                <a:effectLst/>
+                <a:latin typeface="-webkit-standard"/>
+              </a:rPr>
+              <a:t>A felhasználók egyszerűen be- és kijelentkezhetnek a navigációs menü segítségével. Bejelentkezés után az alkalmazás az adatbázisból kezeli a feladatokat, kijelentkezés után pedig a böngésző memóriáját használja.</a:t>
+            </a:r>
+            <a:endParaRPr lang="hu-HU" dirty="0"/>
+          </a:p>
+        </p:txBody>
+      </p:sp>
     </p:spTree>
   </p:cSld>
   <p:clrMapOvr>
@@ -16771,8 +15667,8 @@
         </p:nvSpPr>
         <p:spPr>
           <a:xfrm rot="-5400000">
-            <a:off x="1361800" y="1420956"/>
-            <a:ext cx="1977523" cy="3339526"/>
+            <a:off x="2613255" y="-512220"/>
+            <a:ext cx="2659243" cy="6524157"/>
           </a:xfrm>
           <a:prstGeom prst="round2SameRect">
             <a:avLst>
@@ -16810,7 +15706,7 @@
               </a:spcAft>
               <a:buNone/>
             </a:pPr>
-            <a:endParaRPr/>
+            <a:endParaRPr dirty="0"/>
           </a:p>
         </p:txBody>
       </p:sp>
@@ -17575,6 +16471,52 @@
               <a:ea typeface="Questrial"/>
               <a:cs typeface="Questrial"/>
               <a:sym typeface="Questrial"/>
+            </a:endParaRPr>
+          </a:p>
+        </p:txBody>
+      </p:sp>
+      <p:sp>
+        <p:nvSpPr>
+          <p:cNvPr id="8" name="Szövegdoboz 7">
+            <a:extLst>
+              <a:ext uri="{FF2B5EF4-FFF2-40B4-BE49-F238E27FC236}">
+                <a16:creationId xmlns:a16="http://schemas.microsoft.com/office/drawing/2014/main" id="{E1CEB897-ADFA-B47F-DD63-EBA8561C89D6}"/>
+              </a:ext>
+            </a:extLst>
+          </p:cNvPr>
+          <p:cNvSpPr txBox="1"/>
+          <p:nvPr/>
+        </p:nvSpPr>
+        <p:spPr>
+          <a:xfrm>
+            <a:off x="985857" y="1632680"/>
+            <a:ext cx="5914038" cy="2308324"/>
+          </a:xfrm>
+          <a:prstGeom prst="rect">
+            <a:avLst/>
+          </a:prstGeom>
+          <a:noFill/>
+        </p:spPr>
+        <p:txBody>
+          <a:bodyPr wrap="square" rtlCol="0">
+            <a:spAutoFit/>
+          </a:bodyPr>
+          <a:lstStyle/>
+          <a:p>
+            <a:r>
+              <a:rPr lang="hu-HU" sz="1800" b="0" i="0" u="none" strike="noStrike" dirty="0">
+                <a:solidFill>
+                  <a:schemeClr val="accent4"/>
+                </a:solidFill>
+                <a:effectLst/>
+                <a:latin typeface="-webkit-standard"/>
+              </a:rPr>
+              <a:t>Ez a feladatkezelő alkalmazás egy hatékony eszköz, amely segít a felhasználóknak, hogy rendszerezettebbek legyenek, és hatékonyabban kezeljék mindennapi feladataikat. Az alkalmazás rugalmas adattárolási megoldást kínál, és számos olyan funkciót biztosít, amelyek könnyen alkalmazkodnak a felhasználók igényeihez. Használja az alkalmazást a teendők kezelésére, és tapasztalja meg, milyen egyszerű és kényelmes lehet a napi feladatok nyomon követése!</a:t>
+            </a:r>
+            <a:endParaRPr lang="hu-HU" sz="1800" dirty="0">
+              <a:solidFill>
+                <a:schemeClr val="accent4"/>
+              </a:solidFill>
             </a:endParaRPr>
           </a:p>
         </p:txBody>
